--- a/1. Lectures/Introducción a la Optimización aplicada a Sistemas de Energía Eléctrica/Dia 3/6. Optimal Power Flow.pptx
+++ b/1. Lectures/Introducción a la Optimización aplicada a Sistemas de Energía Eléctrica/Dia 3/6. Optimal Power Flow.pptx
@@ -230,7 +230,7 @@
             <a:fld id="{20597DA6-5F4F-42D3-8A01-E860A9714D40}" type="datetimeFigureOut">
               <a:rPr lang="es-ES" smtClean="0"/>
               <a:pPr/>
-              <a:t>26/02/2019</a:t>
+              <a:t>14/03/2019</a:t>
             </a:fld>
             <a:endParaRPr lang="es-ES"/>
           </a:p>
@@ -401,7 +401,7 @@
             <a:fld id="{D23D6ABD-B407-4DBB-94E4-3909D8A64036}" type="datetimeFigureOut">
               <a:rPr lang="es-ES" smtClean="0"/>
               <a:pPr/>
-              <a:t>26/02/2019</a:t>
+              <a:t>14/03/2019</a:t>
             </a:fld>
             <a:endParaRPr lang="es-ES"/>
           </a:p>
@@ -4774,111 +4774,13 @@
           <a:lstStyle/>
           <a:p>
             <a:r>
-              <a:rPr lang="en-US" sz="2400" kern="1400" cap="small" dirty="0" err="1">
-                <a:solidFill>
-                  <a:schemeClr val="bg1"/>
-                </a:solidFill>
-                <a:latin typeface="Bookman Old Style" panose="02050604050505020204" pitchFamily="18" charset="0"/>
-              </a:rPr>
-              <a:t>Introducción</a:t>
-            </a:r>
-            <a:r>
               <a:rPr lang="en-US" sz="2400" kern="1400" cap="small" dirty="0">
                 <a:solidFill>
                   <a:schemeClr val="bg1"/>
                 </a:solidFill>
                 <a:latin typeface="Bookman Old Style" panose="02050604050505020204" pitchFamily="18" charset="0"/>
               </a:rPr>
-              <a:t> a la </a:t>
-            </a:r>
-            <a:r>
-              <a:rPr lang="en-US" sz="2400" kern="1400" cap="small" dirty="0" err="1">
-                <a:solidFill>
-                  <a:schemeClr val="bg1"/>
-                </a:solidFill>
-                <a:latin typeface="Bookman Old Style" panose="02050604050505020204" pitchFamily="18" charset="0"/>
-              </a:rPr>
-              <a:t>Optimización</a:t>
-            </a:r>
-            <a:r>
-              <a:rPr lang="en-US" sz="2400" kern="1400" cap="small" dirty="0">
-                <a:solidFill>
-                  <a:schemeClr val="bg1"/>
-                </a:solidFill>
-                <a:latin typeface="Bookman Old Style" panose="02050604050505020204" pitchFamily="18" charset="0"/>
-              </a:rPr>
-              <a:t> </a:t>
-            </a:r>
-            <a:br>
-              <a:rPr lang="en-US" sz="2400" kern="1400" cap="small" dirty="0">
-                <a:solidFill>
-                  <a:schemeClr val="bg1"/>
-                </a:solidFill>
-                <a:latin typeface="Bookman Old Style" panose="02050604050505020204" pitchFamily="18" charset="0"/>
-              </a:rPr>
-            </a:br>
-            <a:r>
-              <a:rPr lang="en-US" sz="2400" kern="1400" cap="small" dirty="0" err="1">
-                <a:solidFill>
-                  <a:schemeClr val="bg1"/>
-                </a:solidFill>
-                <a:latin typeface="Bookman Old Style" panose="02050604050505020204" pitchFamily="18" charset="0"/>
-              </a:rPr>
-              <a:t>en</a:t>
-            </a:r>
-            <a:r>
-              <a:rPr lang="en-US" sz="2400" kern="1400" cap="small" dirty="0">
-                <a:solidFill>
-                  <a:schemeClr val="bg1"/>
-                </a:solidFill>
-                <a:latin typeface="Bookman Old Style" panose="02050604050505020204" pitchFamily="18" charset="0"/>
-              </a:rPr>
-              <a:t> </a:t>
-            </a:r>
-            <a:r>
-              <a:rPr lang="en-US" sz="2400" kern="1400" cap="small" dirty="0" err="1">
-                <a:solidFill>
-                  <a:schemeClr val="bg1"/>
-                </a:solidFill>
-                <a:latin typeface="Bookman Old Style" panose="02050604050505020204" pitchFamily="18" charset="0"/>
-              </a:rPr>
-              <a:t>Sistemas</a:t>
-            </a:r>
-            <a:r>
-              <a:rPr lang="en-US" sz="2400" kern="1400" cap="small" dirty="0">
-                <a:solidFill>
-                  <a:schemeClr val="bg1"/>
-                </a:solidFill>
-                <a:latin typeface="Bookman Old Style" panose="02050604050505020204" pitchFamily="18" charset="0"/>
-              </a:rPr>
-              <a:t> </a:t>
-            </a:r>
-            <a:r>
-              <a:rPr lang="en-US" sz="2400" kern="1400" cap="small" dirty="0" err="1">
-                <a:solidFill>
-                  <a:schemeClr val="bg1"/>
-                </a:solidFill>
-                <a:latin typeface="Bookman Old Style" panose="02050604050505020204" pitchFamily="18" charset="0"/>
-              </a:rPr>
-              <a:t>Eléctricos</a:t>
-            </a:r>
-            <a:r>
-              <a:rPr lang="en-US" sz="2400" kern="1400" cap="small" dirty="0">
-                <a:solidFill>
-                  <a:schemeClr val="bg1"/>
-                </a:solidFill>
-                <a:latin typeface="Bookman Old Style" panose="02050604050505020204" pitchFamily="18" charset="0"/>
-              </a:rPr>
-              <a:t> de </a:t>
-            </a:r>
-            <a:r>
-              <a:rPr lang="en-US" sz="2400" kern="1400" cap="small" dirty="0" err="1">
-                <a:solidFill>
-                  <a:schemeClr val="bg1"/>
-                </a:solidFill>
-                <a:latin typeface="Bookman Old Style" panose="02050604050505020204" pitchFamily="18" charset="0"/>
-              </a:rPr>
-              <a:t>Potencia</a:t>
+              <a:t>Optimal Power Flow (OPF)</a:t>
             </a:r>
             <a:endParaRPr lang="es-ES" sz="2400" cap="small" dirty="0">
               <a:solidFill>
@@ -5102,8 +5004,8 @@
         </p:nvSpPr>
         <p:spPr>
           <a:xfrm>
-            <a:off x="3383691" y="355303"/>
-            <a:ext cx="2521844" cy="769441"/>
+            <a:off x="3775625" y="355303"/>
+            <a:ext cx="1737976" cy="769441"/>
           </a:xfrm>
           <a:prstGeom prst="rect">
             <a:avLst/>
@@ -5117,11 +5019,14 @@
           <a:lstStyle/>
           <a:p>
             <a:r>
-              <a:rPr lang="en-US" sz="4400" dirty="0">
+              <a:rPr lang="en-US" sz="4400" dirty="0" err="1">
                 <a:latin typeface="Old English Text MT" panose="03040902040508030806" pitchFamily="66" charset="0"/>
               </a:rPr>
-              <a:t>Workshop</a:t>
-            </a:r>
+              <a:t>Tópico</a:t>
+            </a:r>
+            <a:endParaRPr lang="en-US" sz="4400" dirty="0">
+              <a:latin typeface="Old English Text MT" panose="03040902040508030806" pitchFamily="66" charset="0"/>
+            </a:endParaRPr>
           </a:p>
         </p:txBody>
       </p:sp>
